--- a/diagrams/uml/sequenceDiagrams/introduction/Machine.pptx
+++ b/diagrams/uml/sequenceDiagrams/introduction/Machine.pptx
@@ -304,7 +304,7 @@
           <a:p>
             <a:fld id="{5C63EA63-0159-4067-AC1E-0A923D89E69F}" type="datetimeFigureOut">
               <a:rPr lang="en-SG" smtClean="0"/>
-              <a:t>22/11/2017</a:t>
+              <a:t>17/9/2018</a:t>
             </a:fld>
             <a:endParaRPr lang="en-SG"/>
           </a:p>
@@ -474,7 +474,7 @@
           <a:p>
             <a:fld id="{5C63EA63-0159-4067-AC1E-0A923D89E69F}" type="datetimeFigureOut">
               <a:rPr lang="en-SG" smtClean="0"/>
-              <a:t>22/11/2017</a:t>
+              <a:t>17/9/2018</a:t>
             </a:fld>
             <a:endParaRPr lang="en-SG"/>
           </a:p>
@@ -654,7 +654,7 @@
           <a:p>
             <a:fld id="{5C63EA63-0159-4067-AC1E-0A923D89E69F}" type="datetimeFigureOut">
               <a:rPr lang="en-SG" smtClean="0"/>
-              <a:t>22/11/2017</a:t>
+              <a:t>17/9/2018</a:t>
             </a:fld>
             <a:endParaRPr lang="en-SG"/>
           </a:p>
@@ -824,7 +824,7 @@
           <a:p>
             <a:fld id="{5C63EA63-0159-4067-AC1E-0A923D89E69F}" type="datetimeFigureOut">
               <a:rPr lang="en-SG" smtClean="0"/>
-              <a:t>22/11/2017</a:t>
+              <a:t>17/9/2018</a:t>
             </a:fld>
             <a:endParaRPr lang="en-SG"/>
           </a:p>
@@ -1070,7 +1070,7 @@
           <a:p>
             <a:fld id="{5C63EA63-0159-4067-AC1E-0A923D89E69F}" type="datetimeFigureOut">
               <a:rPr lang="en-SG" smtClean="0"/>
-              <a:t>22/11/2017</a:t>
+              <a:t>17/9/2018</a:t>
             </a:fld>
             <a:endParaRPr lang="en-SG"/>
           </a:p>
@@ -1358,7 +1358,7 @@
           <a:p>
             <a:fld id="{5C63EA63-0159-4067-AC1E-0A923D89E69F}" type="datetimeFigureOut">
               <a:rPr lang="en-SG" smtClean="0"/>
-              <a:t>22/11/2017</a:t>
+              <a:t>17/9/2018</a:t>
             </a:fld>
             <a:endParaRPr lang="en-SG"/>
           </a:p>
@@ -1780,7 +1780,7 @@
           <a:p>
             <a:fld id="{5C63EA63-0159-4067-AC1E-0A923D89E69F}" type="datetimeFigureOut">
               <a:rPr lang="en-SG" smtClean="0"/>
-              <a:t>22/11/2017</a:t>
+              <a:t>17/9/2018</a:t>
             </a:fld>
             <a:endParaRPr lang="en-SG"/>
           </a:p>
@@ -1898,7 +1898,7 @@
           <a:p>
             <a:fld id="{5C63EA63-0159-4067-AC1E-0A923D89E69F}" type="datetimeFigureOut">
               <a:rPr lang="en-SG" smtClean="0"/>
-              <a:t>22/11/2017</a:t>
+              <a:t>17/9/2018</a:t>
             </a:fld>
             <a:endParaRPr lang="en-SG"/>
           </a:p>
@@ -1993,7 +1993,7 @@
           <a:p>
             <a:fld id="{5C63EA63-0159-4067-AC1E-0A923D89E69F}" type="datetimeFigureOut">
               <a:rPr lang="en-SG" smtClean="0"/>
-              <a:t>22/11/2017</a:t>
+              <a:t>17/9/2018</a:t>
             </a:fld>
             <a:endParaRPr lang="en-SG"/>
           </a:p>
@@ -2270,7 +2270,7 @@
           <a:p>
             <a:fld id="{5C63EA63-0159-4067-AC1E-0A923D89E69F}" type="datetimeFigureOut">
               <a:rPr lang="en-SG" smtClean="0"/>
-              <a:t>22/11/2017</a:t>
+              <a:t>17/9/2018</a:t>
             </a:fld>
             <a:endParaRPr lang="en-SG"/>
           </a:p>
@@ -2523,7 +2523,7 @@
           <a:p>
             <a:fld id="{5C63EA63-0159-4067-AC1E-0A923D89E69F}" type="datetimeFigureOut">
               <a:rPr lang="en-SG" smtClean="0"/>
-              <a:t>22/11/2017</a:t>
+              <a:t>17/9/2018</a:t>
             </a:fld>
             <a:endParaRPr lang="en-SG"/>
           </a:p>
@@ -2736,7 +2736,7 @@
           <a:p>
             <a:fld id="{5C63EA63-0159-4067-AC1E-0A923D89E69F}" type="datetimeFigureOut">
               <a:rPr lang="en-SG" smtClean="0"/>
-              <a:t>22/11/2017</a:t>
+              <a:t>17/9/2018</a:t>
             </a:fld>
             <a:endParaRPr lang="en-SG"/>
           </a:p>
@@ -3289,8 +3289,8 @@
         </p:nvSpPr>
         <p:spPr bwMode="auto">
           <a:xfrm>
-            <a:off x="4379531" y="1308354"/>
-            <a:ext cx="0" cy="3462364"/>
+            <a:off x="4369487" y="1944508"/>
+            <a:ext cx="10044" cy="2826209"/>
           </a:xfrm>
           <a:prstGeom prst="line">
             <a:avLst/>
@@ -3336,7 +3336,7 @@
         </p:nvSpPr>
         <p:spPr bwMode="auto">
           <a:xfrm>
-            <a:off x="3595605" y="986032"/>
+            <a:off x="3585770" y="1625523"/>
             <a:ext cx="1567434" cy="307777"/>
           </a:xfrm>
           <a:prstGeom prst="rect">
